--- a/Presentation/power point presentation.pptx
+++ b/Presentation/power point presentation.pptx
@@ -289,7 +289,7 @@
           <a:p>
             <a:fld id="{48A87A34-81AB-432B-8DAE-1953F412C126}" type="datetimeFigureOut">
               <a:rPr lang="en-US" dirty="0"/>
-              <a:t>6/21/2020</a:t>
+              <a:t>6/22/2020</a:t>
             </a:fld>
             <a:endParaRPr lang="en-US" dirty="0"/>
           </a:p>
@@ -596,7 +596,7 @@
           <a:p>
             <a:fld id="{48A87A34-81AB-432B-8DAE-1953F412C126}" type="datetimeFigureOut">
               <a:rPr lang="en-US" dirty="0"/>
-              <a:t>6/21/2020</a:t>
+              <a:t>6/22/2020</a:t>
             </a:fld>
             <a:endParaRPr lang="en-US" dirty="0"/>
           </a:p>
@@ -813,7 +813,7 @@
           <a:p>
             <a:fld id="{48A87A34-81AB-432B-8DAE-1953F412C126}" type="datetimeFigureOut">
               <a:rPr lang="en-US" dirty="0"/>
-              <a:t>6/21/2020</a:t>
+              <a:t>6/22/2020</a:t>
             </a:fld>
             <a:endParaRPr lang="en-US" dirty="0"/>
           </a:p>
@@ -1099,7 +1099,7 @@
           <a:p>
             <a:fld id="{48A87A34-81AB-432B-8DAE-1953F412C126}" type="datetimeFigureOut">
               <a:rPr lang="en-US" dirty="0"/>
-              <a:t>6/21/2020</a:t>
+              <a:t>6/22/2020</a:t>
             </a:fld>
             <a:endParaRPr lang="en-US" dirty="0"/>
           </a:p>
@@ -1548,7 +1548,7 @@
           <a:p>
             <a:fld id="{48A87A34-81AB-432B-8DAE-1953F412C126}" type="datetimeFigureOut">
               <a:rPr lang="en-US" dirty="0"/>
-              <a:t>6/21/2020</a:t>
+              <a:t>6/22/2020</a:t>
             </a:fld>
             <a:endParaRPr lang="en-US" dirty="0"/>
           </a:p>
@@ -2119,7 +2119,7 @@
           <a:p>
             <a:fld id="{48A87A34-81AB-432B-8DAE-1953F412C126}" type="datetimeFigureOut">
               <a:rPr lang="en-US" dirty="0"/>
-              <a:t>6/21/2020</a:t>
+              <a:t>6/22/2020</a:t>
             </a:fld>
             <a:endParaRPr lang="en-US" dirty="0"/>
           </a:p>
@@ -2966,7 +2966,7 @@
           <a:p>
             <a:fld id="{48A87A34-81AB-432B-8DAE-1953F412C126}" type="datetimeFigureOut">
               <a:rPr lang="en-US" dirty="0"/>
-              <a:t>6/21/2020</a:t>
+              <a:t>6/22/2020</a:t>
             </a:fld>
             <a:endParaRPr lang="en-US" dirty="0"/>
           </a:p>
@@ -3166,7 +3166,7 @@
           <a:p>
             <a:fld id="{48A87A34-81AB-432B-8DAE-1953F412C126}" type="datetimeFigureOut">
               <a:rPr lang="en-US" dirty="0"/>
-              <a:t>6/21/2020</a:t>
+              <a:t>6/22/2020</a:t>
             </a:fld>
             <a:endParaRPr lang="en-US" dirty="0"/>
           </a:p>
@@ -3375,7 +3375,7 @@
           <a:p>
             <a:fld id="{48A87A34-81AB-432B-8DAE-1953F412C126}" type="datetimeFigureOut">
               <a:rPr lang="en-US" dirty="0"/>
-              <a:t>6/21/2020</a:t>
+              <a:t>6/22/2020</a:t>
             </a:fld>
             <a:endParaRPr lang="en-US" dirty="0"/>
           </a:p>
@@ -3575,7 +3575,7 @@
           <a:p>
             <a:fld id="{48A87A34-81AB-432B-8DAE-1953F412C126}" type="datetimeFigureOut">
               <a:rPr lang="en-US" dirty="0"/>
-              <a:t>6/21/2020</a:t>
+              <a:t>6/22/2020</a:t>
             </a:fld>
             <a:endParaRPr lang="en-US" dirty="0"/>
           </a:p>
@@ -3850,7 +3850,7 @@
           <a:p>
             <a:fld id="{48A87A34-81AB-432B-8DAE-1953F412C126}" type="datetimeFigureOut">
               <a:rPr lang="en-US" dirty="0"/>
-              <a:t>6/21/2020</a:t>
+              <a:t>6/22/2020</a:t>
             </a:fld>
             <a:endParaRPr lang="en-US" dirty="0"/>
           </a:p>
@@ -4112,7 +4112,7 @@
           <a:p>
             <a:fld id="{48A87A34-81AB-432B-8DAE-1953F412C126}" type="datetimeFigureOut">
               <a:rPr lang="en-US" dirty="0"/>
-              <a:t>6/21/2020</a:t>
+              <a:t>6/22/2020</a:t>
             </a:fld>
             <a:endParaRPr lang="en-US" dirty="0"/>
           </a:p>
@@ -4522,7 +4522,7 @@
           <a:p>
             <a:fld id="{48A87A34-81AB-432B-8DAE-1953F412C126}" type="datetimeFigureOut">
               <a:rPr lang="en-US" dirty="0"/>
-              <a:t>6/21/2020</a:t>
+              <a:t>6/22/2020</a:t>
             </a:fld>
             <a:endParaRPr lang="en-US" dirty="0"/>
           </a:p>
@@ -4665,7 +4665,7 @@
           <a:p>
             <a:fld id="{48A87A34-81AB-432B-8DAE-1953F412C126}" type="datetimeFigureOut">
               <a:rPr lang="en-US" dirty="0"/>
-              <a:t>6/21/2020</a:t>
+              <a:t>6/22/2020</a:t>
             </a:fld>
             <a:endParaRPr lang="en-US" dirty="0"/>
           </a:p>
@@ -4785,7 +4785,7 @@
           <a:p>
             <a:fld id="{48A87A34-81AB-432B-8DAE-1953F412C126}" type="datetimeFigureOut">
               <a:rPr lang="en-US" dirty="0"/>
-              <a:t>6/21/2020</a:t>
+              <a:t>6/22/2020</a:t>
             </a:fld>
             <a:endParaRPr lang="en-US" dirty="0"/>
           </a:p>
@@ -5059,7 +5059,7 @@
           <a:p>
             <a:fld id="{48A87A34-81AB-432B-8DAE-1953F412C126}" type="datetimeFigureOut">
               <a:rPr lang="en-US" dirty="0"/>
-              <a:t>6/21/2020</a:t>
+              <a:t>6/22/2020</a:t>
             </a:fld>
             <a:endParaRPr lang="en-US" dirty="0"/>
           </a:p>
@@ -5366,7 +5366,7 @@
           <a:p>
             <a:fld id="{48A87A34-81AB-432B-8DAE-1953F412C126}" type="datetimeFigureOut">
               <a:rPr lang="en-US" dirty="0"/>
-              <a:t>6/21/2020</a:t>
+              <a:t>6/22/2020</a:t>
             </a:fld>
             <a:endParaRPr lang="en-US" dirty="0"/>
           </a:p>
@@ -5615,7 +5615,7 @@
             <a:fld id="{48A87A34-81AB-432B-8DAE-1953F412C126}" type="datetimeFigureOut">
               <a:rPr lang="en-US" dirty="0"/>
               <a:pPr/>
-              <a:t>6/21/2020</a:t>
+              <a:t>6/22/2020</a:t>
             </a:fld>
             <a:endParaRPr lang="en-US" dirty="0"/>
           </a:p>
@@ -7423,6 +7423,21 @@
             </a:r>
           </a:p>
           <a:p>
+            <a:r>
+              <a:rPr lang="en-US" dirty="0"/>
+              <a:t>we will need to increase the DSL option for internet service for clients who do not have a partner and who are dependent, because we see that the optic fiber option is much more used by customers who unsubscribe most of the time</a:t>
+            </a:r>
+          </a:p>
+          <a:p>
+            <a:endParaRPr lang="en-US" dirty="0"/>
+          </a:p>
+          <a:p>
+            <a:r>
+              <a:rPr lang="en-US" dirty="0"/>
+              <a:t>Case Study</a:t>
+            </a:r>
+          </a:p>
+          <a:p>
             <a:endParaRPr lang="en-US" dirty="0"/>
           </a:p>
         </p:txBody>
